--- a/Documents/Strahl_VueEnhanceWebApplications.pptx
+++ b/Documents/Strahl_VueEnhanceWebApplications.pptx
@@ -5,10 +5,10 @@
     <p:sldMasterId id="2147483651" r:id="rId1"/>
   </p:sldMasterIdLst>
   <p:notesMasterIdLst>
-    <p:notesMasterId r:id="rId26"/>
+    <p:notesMasterId r:id="rId27"/>
   </p:notesMasterIdLst>
   <p:handoutMasterIdLst>
-    <p:handoutMasterId r:id="rId27"/>
+    <p:handoutMasterId r:id="rId28"/>
   </p:handoutMasterIdLst>
   <p:sldIdLst>
     <p:sldId id="256" r:id="rId2"/>
@@ -25,16 +25,17 @@
     <p:sldId id="277" r:id="rId13"/>
     <p:sldId id="279" r:id="rId14"/>
     <p:sldId id="280" r:id="rId15"/>
-    <p:sldId id="282" r:id="rId16"/>
-    <p:sldId id="283" r:id="rId17"/>
-    <p:sldId id="454" r:id="rId18"/>
-    <p:sldId id="451" r:id="rId19"/>
-    <p:sldId id="447" r:id="rId20"/>
-    <p:sldId id="450" r:id="rId21"/>
-    <p:sldId id="453" r:id="rId22"/>
-    <p:sldId id="459" r:id="rId23"/>
-    <p:sldId id="281" r:id="rId24"/>
-    <p:sldId id="385" r:id="rId25"/>
+    <p:sldId id="465" r:id="rId16"/>
+    <p:sldId id="282" r:id="rId17"/>
+    <p:sldId id="283" r:id="rId18"/>
+    <p:sldId id="454" r:id="rId19"/>
+    <p:sldId id="451" r:id="rId20"/>
+    <p:sldId id="447" r:id="rId21"/>
+    <p:sldId id="450" r:id="rId22"/>
+    <p:sldId id="453" r:id="rId23"/>
+    <p:sldId id="459" r:id="rId24"/>
+    <p:sldId id="281" r:id="rId25"/>
+    <p:sldId id="385" r:id="rId26"/>
   </p:sldIdLst>
   <p:sldSz cx="12192000" cy="6858000"/>
   <p:notesSz cx="6858000" cy="9144000"/>
@@ -3606,8 +3607,8 @@
         </p:nvSpPr>
         <p:spPr>
           <a:xfrm>
-            <a:off x="1524000" y="1905000"/>
-            <a:ext cx="7310718" cy="1828800"/>
+            <a:off x="609600" y="1752600"/>
+            <a:ext cx="8225118" cy="1828800"/>
           </a:xfrm>
         </p:spPr>
         <p:txBody>
@@ -3616,21 +3617,21 @@
           <a:p>
             <a:pPr eaLnBrk="1" hangingPunct="1"/>
             <a:r>
-              <a:rPr lang="en-US" sz="2400"/>
+              <a:rPr lang="en-US"/>
               <a:t>Enhance your Web Applications</a:t>
             </a:r>
             <a:br>
-              <a:rPr lang="en-US" sz="2400"/>
+              <a:rPr lang="en-US"/>
             </a:br>
             <a:r>
-              <a:rPr lang="en-US" sz="2400"/>
+              <a:rPr lang="en-US"/>
               <a:t>with VueJs</a:t>
             </a:r>
             <a:br>
-              <a:rPr lang="en-US" sz="2400"/>
+              <a:rPr lang="en-US"/>
             </a:br>
             <a:r>
-              <a:rPr kumimoji="1" lang="en-US" sz="1600">
+              <a:rPr kumimoji="1" lang="en-US" sz="2000">
                 <a:solidFill>
                   <a:srgbClr val="FFFFCC"/>
                 </a:solidFill>
@@ -3640,9 +3641,9 @@
                   </a:outerShdw>
                 </a:effectLst>
               </a:rPr>
-              <a:t>incremental enhancements with jQuery and VueJs</a:t>
-            </a:r>
-            <a:endParaRPr lang="en-US" sz="1600" dirty="0">
+              <a:t>incremental enhancements with VueJs</a:t>
+            </a:r>
+            <a:endParaRPr lang="en-US" sz="2000" dirty="0">
               <a:solidFill>
                 <a:srgbClr val="FFFFCC"/>
               </a:solidFill>
@@ -4163,6 +4164,36 @@
           </a:p>
         </p:txBody>
       </p:sp>
+      <p:pic>
+        <p:nvPicPr>
+          <p:cNvPr id="4" name="Picture 3">
+            <a:extLst>
+              <a:ext uri="{FF2B5EF4-FFF2-40B4-BE49-F238E27FC236}">
+                <a16:creationId xmlns:a16="http://schemas.microsoft.com/office/drawing/2014/main" id="{C32505B0-093C-44DF-882F-9EB2F43AF6E6}"/>
+              </a:ext>
+            </a:extLst>
+          </p:cNvPr>
+          <p:cNvPicPr>
+            <a:picLocks noChangeAspect="1"/>
+          </p:cNvPicPr>
+          <p:nvPr/>
+        </p:nvPicPr>
+        <p:blipFill>
+          <a:blip r:embed="rId2"/>
+          <a:stretch>
+            <a:fillRect/>
+          </a:stretch>
+        </p:blipFill>
+        <p:spPr>
+          <a:xfrm flipH="1">
+            <a:off x="120595" y="6191250"/>
+            <a:ext cx="571610" cy="495300"/>
+          </a:xfrm>
+          <a:prstGeom prst="rect">
+            <a:avLst/>
+          </a:prstGeom>
+        </p:spPr>
+      </p:pic>
     </p:spTree>
     <p:extLst>
       <p:ext uri="{BB962C8B-B14F-4D97-AF65-F5344CB8AC3E}">
@@ -4502,6 +4533,36 @@
           </a:p>
         </p:txBody>
       </p:sp>
+      <p:pic>
+        <p:nvPicPr>
+          <p:cNvPr id="6" name="Picture 5">
+            <a:extLst>
+              <a:ext uri="{FF2B5EF4-FFF2-40B4-BE49-F238E27FC236}">
+                <a16:creationId xmlns:a16="http://schemas.microsoft.com/office/drawing/2014/main" id="{45163232-B368-4D97-B84D-13870B5E2474}"/>
+              </a:ext>
+            </a:extLst>
+          </p:cNvPr>
+          <p:cNvPicPr>
+            <a:picLocks noChangeAspect="1"/>
+          </p:cNvPicPr>
+          <p:nvPr/>
+        </p:nvPicPr>
+        <p:blipFill>
+          <a:blip r:embed="rId2"/>
+          <a:stretch>
+            <a:fillRect/>
+          </a:stretch>
+        </p:blipFill>
+        <p:spPr>
+          <a:xfrm flipH="1">
+            <a:off x="120595" y="6191250"/>
+            <a:ext cx="571610" cy="495300"/>
+          </a:xfrm>
+          <a:prstGeom prst="rect">
+            <a:avLst/>
+          </a:prstGeom>
+        </p:spPr>
+      </p:pic>
     </p:spTree>
     <p:extLst>
       <p:ext uri="{BB962C8B-B14F-4D97-AF65-F5344CB8AC3E}">
@@ -5025,6 +5086,36 @@
           </a:p>
         </p:txBody>
       </p:sp>
+      <p:pic>
+        <p:nvPicPr>
+          <p:cNvPr id="9" name="Picture 8">
+            <a:extLst>
+              <a:ext uri="{FF2B5EF4-FFF2-40B4-BE49-F238E27FC236}">
+                <a16:creationId xmlns:a16="http://schemas.microsoft.com/office/drawing/2014/main" id="{FAFCD126-7B07-43E5-ABC5-F41DD8AB6BAF}"/>
+              </a:ext>
+            </a:extLst>
+          </p:cNvPr>
+          <p:cNvPicPr>
+            <a:picLocks noChangeAspect="1"/>
+          </p:cNvPicPr>
+          <p:nvPr/>
+        </p:nvPicPr>
+        <p:blipFill>
+          <a:blip r:embed="rId3"/>
+          <a:stretch>
+            <a:fillRect/>
+          </a:stretch>
+        </p:blipFill>
+        <p:spPr>
+          <a:xfrm flipH="1">
+            <a:off x="120595" y="6191250"/>
+            <a:ext cx="571610" cy="495300"/>
+          </a:xfrm>
+          <a:prstGeom prst="rect">
+            <a:avLst/>
+          </a:prstGeom>
+        </p:spPr>
+      </p:pic>
     </p:spTree>
     <p:extLst>
       <p:ext uri="{BB962C8B-B14F-4D97-AF65-F5344CB8AC3E}">
@@ -5125,7 +5216,7 @@
                   <a:srgbClr val="FFFFCC"/>
                 </a:solidFill>
               </a:rPr>
-              <a:t>v-bind:attribute</a:t>
+              <a:t>v-bind:attribute (or :attribute)</a:t>
             </a:r>
           </a:p>
           <a:p>
@@ -5172,7 +5263,7 @@
                   <a:srgbClr val="FFFFCC"/>
                 </a:solidFill>
               </a:rPr>
-              <a:t>v-on:click</a:t>
+              <a:t>v-on:click  (or @click)</a:t>
             </a:r>
           </a:p>
           <a:p>
@@ -5353,6 +5444,36 @@
           </a:prstGeom>
         </p:spPr>
       </p:pic>
+      <p:pic>
+        <p:nvPicPr>
+          <p:cNvPr id="5" name="Picture 4">
+            <a:extLst>
+              <a:ext uri="{FF2B5EF4-FFF2-40B4-BE49-F238E27FC236}">
+                <a16:creationId xmlns:a16="http://schemas.microsoft.com/office/drawing/2014/main" id="{4E238A3D-E392-4934-9F37-BC91A5019CF1}"/>
+              </a:ext>
+            </a:extLst>
+          </p:cNvPr>
+          <p:cNvPicPr>
+            <a:picLocks noChangeAspect="1"/>
+          </p:cNvPicPr>
+          <p:nvPr/>
+        </p:nvPicPr>
+        <p:blipFill>
+          <a:blip r:embed="rId3"/>
+          <a:stretch>
+            <a:fillRect/>
+          </a:stretch>
+        </p:blipFill>
+        <p:spPr>
+          <a:xfrm flipH="1">
+            <a:off x="120595" y="6191250"/>
+            <a:ext cx="571610" cy="495300"/>
+          </a:xfrm>
+          <a:prstGeom prst="rect">
+            <a:avLst/>
+          </a:prstGeom>
+        </p:spPr>
+      </p:pic>
     </p:spTree>
     <p:extLst>
       <p:ext uri="{BB962C8B-B14F-4D97-AF65-F5344CB8AC3E}">
@@ -5370,6 +5491,275 @@
 </file>
 
 <file path=ppt/slides/slide15.xml><?xml version="1.0" encoding="utf-8"?>
+<p:sld xmlns:a="http://schemas.openxmlformats.org/drawingml/2006/main" xmlns:r="http://schemas.openxmlformats.org/officeDocument/2006/relationships" xmlns:p="http://schemas.openxmlformats.org/presentationml/2006/main">
+  <p:cSld>
+    <p:spTree>
+      <p:nvGrpSpPr>
+        <p:cNvPr id="1" name=""/>
+        <p:cNvGrpSpPr/>
+        <p:nvPr/>
+      </p:nvGrpSpPr>
+      <p:grpSpPr>
+        <a:xfrm>
+          <a:off x="0" y="0"/>
+          <a:ext cx="0" cy="0"/>
+          <a:chOff x="0" y="0"/>
+          <a:chExt cx="0" cy="0"/>
+        </a:xfrm>
+      </p:grpSpPr>
+      <p:sp>
+        <p:nvSpPr>
+          <p:cNvPr id="2" name="Title 1">
+            <a:extLst>
+              <a:ext uri="{FF2B5EF4-FFF2-40B4-BE49-F238E27FC236}">
+                <a16:creationId xmlns:a16="http://schemas.microsoft.com/office/drawing/2014/main" id="{575D4C64-22A9-4E7D-8383-24F71651483D}"/>
+              </a:ext>
+            </a:extLst>
+          </p:cNvPr>
+          <p:cNvSpPr>
+            <a:spLocks noGrp="1"/>
+          </p:cNvSpPr>
+          <p:nvPr>
+            <p:ph type="title"/>
+          </p:nvPr>
+        </p:nvSpPr>
+        <p:spPr/>
+        <p:txBody>
+          <a:bodyPr/>
+          <a:lstStyle/>
+          <a:p>
+            <a:r>
+              <a:rPr lang="en-US" sz="2000"/>
+              <a:t>Mixing Vue into existing Content</a:t>
+            </a:r>
+          </a:p>
+        </p:txBody>
+      </p:sp>
+      <p:sp>
+        <p:nvSpPr>
+          <p:cNvPr id="4" name="Content Placeholder 3">
+            <a:extLst>
+              <a:ext uri="{FF2B5EF4-FFF2-40B4-BE49-F238E27FC236}">
+                <a16:creationId xmlns:a16="http://schemas.microsoft.com/office/drawing/2014/main" id="{7EBC9680-C6DE-4411-82AC-EC23876BB31E}"/>
+              </a:ext>
+            </a:extLst>
+          </p:cNvPr>
+          <p:cNvSpPr>
+            <a:spLocks noGrp="1"/>
+          </p:cNvSpPr>
+          <p:nvPr>
+            <p:ph idx="1"/>
+          </p:nvPr>
+        </p:nvSpPr>
+        <p:spPr>
+          <a:xfrm>
+            <a:off x="0" y="876300"/>
+            <a:ext cx="11480800" cy="5105400"/>
+          </a:xfrm>
+        </p:spPr>
+        <p:txBody>
+          <a:bodyPr/>
+          <a:lstStyle/>
+          <a:p>
+            <a:r>
+              <a:rPr lang="en-US" sz="1600"/>
+              <a:t>Server Rendered Page</a:t>
+            </a:r>
+          </a:p>
+          <a:p>
+            <a:pPr lvl="1"/>
+            <a:r>
+              <a:rPr lang="en-US" sz="1400"/>
+              <a:t>Initially rendered on Server</a:t>
+            </a:r>
+          </a:p>
+          <a:p>
+            <a:pPr lvl="1"/>
+            <a:r>
+              <a:rPr lang="en-US" sz="1400"/>
+              <a:t>Static HTML for main portion</a:t>
+            </a:r>
+          </a:p>
+          <a:p>
+            <a:pPr lvl="1"/>
+            <a:r>
+              <a:rPr lang="en-US" sz="1400"/>
+              <a:t>Main Form submits with full Page Refresh</a:t>
+            </a:r>
+          </a:p>
+          <a:p>
+            <a:pPr lvl="1"/>
+            <a:r>
+              <a:rPr lang="en-US" sz="1400"/>
+              <a:t>Standard MVC/Scripting etc.</a:t>
+            </a:r>
+          </a:p>
+          <a:p>
+            <a:pPr lvl="1"/>
+            <a:r>
+              <a:rPr lang="en-US" sz="1400"/>
+              <a:t>Quick to build server side</a:t>
+            </a:r>
+          </a:p>
+          <a:p>
+            <a:pPr lvl="1"/>
+            <a:endParaRPr lang="en-US" sz="1400"/>
+          </a:p>
+          <a:p>
+            <a:pPr marL="457200" lvl="1" indent="0">
+              <a:buNone/>
+            </a:pPr>
+            <a:endParaRPr lang="en-US" sz="1400"/>
+          </a:p>
+          <a:p>
+            <a:pPr lvl="1"/>
+            <a:endParaRPr lang="en-US" sz="1400"/>
+          </a:p>
+          <a:p>
+            <a:pPr lvl="1"/>
+            <a:endParaRPr lang="en-US" sz="1400"/>
+          </a:p>
+          <a:p>
+            <a:pPr lvl="1"/>
+            <a:endParaRPr lang="en-US" sz="1400"/>
+          </a:p>
+          <a:p>
+            <a:r>
+              <a:rPr lang="en-US" sz="1600"/>
+              <a:t>Interactive Component loads Dynamically</a:t>
+            </a:r>
+          </a:p>
+          <a:p>
+            <a:pPr lvl="1"/>
+            <a:r>
+              <a:rPr lang="en-US" sz="1400"/>
+              <a:t>After page load load the list of projects</a:t>
+            </a:r>
+          </a:p>
+          <a:p>
+            <a:pPr lvl="1"/>
+            <a:r>
+              <a:rPr lang="en-US" sz="1400"/>
+              <a:t>More interactive component</a:t>
+            </a:r>
+          </a:p>
+          <a:p>
+            <a:pPr lvl="1"/>
+            <a:r>
+              <a:rPr lang="en-US" sz="1400"/>
+              <a:t>JavaScript makes this easier to build</a:t>
+            </a:r>
+          </a:p>
+          <a:p>
+            <a:pPr lvl="1"/>
+            <a:r>
+              <a:rPr lang="en-US" sz="1400"/>
+              <a:t>More user friendly to interact with</a:t>
+            </a:r>
+          </a:p>
+          <a:p>
+            <a:pPr lvl="1"/>
+            <a:r>
+              <a:rPr lang="en-US" sz="1400"/>
+              <a:t>No Page Refreshes</a:t>
+            </a:r>
+          </a:p>
+        </p:txBody>
+      </p:sp>
+      <p:pic>
+        <p:nvPicPr>
+          <p:cNvPr id="1028" name="Picture 4">
+            <a:extLst>
+              <a:ext uri="{FF2B5EF4-FFF2-40B4-BE49-F238E27FC236}">
+                <a16:creationId xmlns:a16="http://schemas.microsoft.com/office/drawing/2014/main" id="{8DDF82FB-2359-4327-BFE1-34F0B0153270}"/>
+              </a:ext>
+            </a:extLst>
+          </p:cNvPr>
+          <p:cNvPicPr>
+            <a:picLocks noChangeAspect="1" noChangeArrowheads="1"/>
+          </p:cNvPicPr>
+          <p:nvPr/>
+        </p:nvPicPr>
+        <p:blipFill>
+          <a:blip r:embed="rId2">
+            <a:extLst>
+              <a:ext uri="{28A0092B-C50C-407E-A947-70E740481C1C}">
+                <a14:useLocalDpi xmlns:a14="http://schemas.microsoft.com/office/drawing/2010/main" val="0"/>
+              </a:ext>
+            </a:extLst>
+          </a:blip>
+          <a:srcRect/>
+          <a:stretch>
+            <a:fillRect/>
+          </a:stretch>
+        </p:blipFill>
+        <p:spPr bwMode="auto">
+          <a:xfrm>
+            <a:off x="5105401" y="0"/>
+            <a:ext cx="7086600" cy="6858000"/>
+          </a:xfrm>
+          <a:prstGeom prst="rect">
+            <a:avLst/>
+          </a:prstGeom>
+          <a:noFill/>
+          <a:extLst>
+            <a:ext uri="{909E8E84-426E-40DD-AFC4-6F175D3DCCD1}">
+              <a14:hiddenFill xmlns:a14="http://schemas.microsoft.com/office/drawing/2010/main">
+                <a:solidFill>
+                  <a:srgbClr val="FFFFFF"/>
+                </a:solidFill>
+              </a14:hiddenFill>
+            </a:ext>
+          </a:extLst>
+        </p:spPr>
+      </p:pic>
+      <p:pic>
+        <p:nvPicPr>
+          <p:cNvPr id="8" name="Picture 7">
+            <a:extLst>
+              <a:ext uri="{FF2B5EF4-FFF2-40B4-BE49-F238E27FC236}">
+                <a16:creationId xmlns:a16="http://schemas.microsoft.com/office/drawing/2014/main" id="{048951BF-6AF1-4BC7-8664-E4157F03680A}"/>
+              </a:ext>
+            </a:extLst>
+          </p:cNvPr>
+          <p:cNvPicPr>
+            <a:picLocks noChangeAspect="1"/>
+          </p:cNvPicPr>
+          <p:nvPr/>
+        </p:nvPicPr>
+        <p:blipFill>
+          <a:blip r:embed="rId3"/>
+          <a:stretch>
+            <a:fillRect/>
+          </a:stretch>
+        </p:blipFill>
+        <p:spPr>
+          <a:xfrm flipH="1">
+            <a:off x="120595" y="6191250"/>
+            <a:ext cx="571610" cy="495300"/>
+          </a:xfrm>
+          <a:prstGeom prst="rect">
+            <a:avLst/>
+          </a:prstGeom>
+        </p:spPr>
+      </p:pic>
+    </p:spTree>
+    <p:extLst>
+      <p:ext uri="{BB962C8B-B14F-4D97-AF65-F5344CB8AC3E}">
+        <p14:creationId xmlns:p14="http://schemas.microsoft.com/office/powerpoint/2010/main" val="1792799275"/>
+      </p:ext>
+    </p:extLst>
+  </p:cSld>
+  <p:clrMapOvr>
+    <a:masterClrMapping/>
+  </p:clrMapOvr>
+  <p:transition>
+    <p:wipe/>
+  </p:transition>
+</p:sld>
+</file>
+
+<file path=ppt/slides/slide16.xml><?xml version="1.0" encoding="utf-8"?>
 <p:sld xmlns:a="http://schemas.openxmlformats.org/drawingml/2006/main" xmlns:r="http://schemas.openxmlformats.org/officeDocument/2006/relationships" xmlns:p="http://schemas.openxmlformats.org/presentationml/2006/main" show="0">
   <p:cSld>
     <p:spTree>
@@ -5537,6 +5927,36 @@
           </a:p>
         </p:txBody>
       </p:sp>
+      <p:pic>
+        <p:nvPicPr>
+          <p:cNvPr id="4" name="Picture 3">
+            <a:extLst>
+              <a:ext uri="{FF2B5EF4-FFF2-40B4-BE49-F238E27FC236}">
+                <a16:creationId xmlns:a16="http://schemas.microsoft.com/office/drawing/2014/main" id="{95AED19A-0901-43E6-928E-6BC0AF3F4BD5}"/>
+              </a:ext>
+            </a:extLst>
+          </p:cNvPr>
+          <p:cNvPicPr>
+            <a:picLocks noChangeAspect="1"/>
+          </p:cNvPicPr>
+          <p:nvPr/>
+        </p:nvPicPr>
+        <p:blipFill>
+          <a:blip r:embed="rId2"/>
+          <a:stretch>
+            <a:fillRect/>
+          </a:stretch>
+        </p:blipFill>
+        <p:spPr>
+          <a:xfrm flipH="1">
+            <a:off x="120595" y="6191250"/>
+            <a:ext cx="571610" cy="495300"/>
+          </a:xfrm>
+          <a:prstGeom prst="rect">
+            <a:avLst/>
+          </a:prstGeom>
+        </p:spPr>
+      </p:pic>
     </p:spTree>
     <p:extLst>
       <p:ext uri="{BB962C8B-B14F-4D97-AF65-F5344CB8AC3E}">
@@ -5553,7 +5973,7 @@
 </p:sld>
 </file>
 
-<file path=ppt/slides/slide16.xml><?xml version="1.0" encoding="utf-8"?>
+<file path=ppt/slides/slide17.xml><?xml version="1.0" encoding="utf-8"?>
 <p:sld xmlns:a="http://schemas.openxmlformats.org/drawingml/2006/main" xmlns:r="http://schemas.openxmlformats.org/officeDocument/2006/relationships" xmlns:p="http://schemas.openxmlformats.org/presentationml/2006/main" show="0">
   <p:cSld>
     <p:spTree>
@@ -5718,6 +6138,36 @@
           </a:p>
         </p:txBody>
       </p:sp>
+      <p:pic>
+        <p:nvPicPr>
+          <p:cNvPr id="4" name="Picture 3">
+            <a:extLst>
+              <a:ext uri="{FF2B5EF4-FFF2-40B4-BE49-F238E27FC236}">
+                <a16:creationId xmlns:a16="http://schemas.microsoft.com/office/drawing/2014/main" id="{E1611EED-E127-4F8C-AFF6-25C3CFFE4279}"/>
+              </a:ext>
+            </a:extLst>
+          </p:cNvPr>
+          <p:cNvPicPr>
+            <a:picLocks noChangeAspect="1"/>
+          </p:cNvPicPr>
+          <p:nvPr/>
+        </p:nvPicPr>
+        <p:blipFill>
+          <a:blip r:embed="rId2"/>
+          <a:stretch>
+            <a:fillRect/>
+          </a:stretch>
+        </p:blipFill>
+        <p:spPr>
+          <a:xfrm flipH="1">
+            <a:off x="120595" y="6191250"/>
+            <a:ext cx="571610" cy="495300"/>
+          </a:xfrm>
+          <a:prstGeom prst="rect">
+            <a:avLst/>
+          </a:prstGeom>
+        </p:spPr>
+      </p:pic>
     </p:spTree>
     <p:extLst>
       <p:ext uri="{BB962C8B-B14F-4D97-AF65-F5344CB8AC3E}">
@@ -5734,7 +6184,7 @@
 </p:sld>
 </file>
 
-<file path=ppt/slides/slide17.xml><?xml version="1.0" encoding="utf-8"?>
+<file path=ppt/slides/slide18.xml><?xml version="1.0" encoding="utf-8"?>
 <p:sld xmlns:a="http://schemas.openxmlformats.org/drawingml/2006/main" xmlns:r="http://schemas.openxmlformats.org/officeDocument/2006/relationships" xmlns:p="http://schemas.openxmlformats.org/presentationml/2006/main">
   <p:cSld>
     <p:spTree>
@@ -5844,7 +6294,7 @@
 </p:sld>
 </file>
 
-<file path=ppt/slides/slide18.xml><?xml version="1.0" encoding="utf-8"?>
+<file path=ppt/slides/slide19.xml><?xml version="1.0" encoding="utf-8"?>
 <p:sld xmlns:a="http://schemas.openxmlformats.org/drawingml/2006/main" xmlns:r="http://schemas.openxmlformats.org/officeDocument/2006/relationships" xmlns:p="http://schemas.openxmlformats.org/presentationml/2006/main">
   <p:cSld>
     <p:spTree>
@@ -6059,206 +6509,6 @@
     <p:extLst>
       <p:ext uri="{BB962C8B-B14F-4D97-AF65-F5344CB8AC3E}">
         <p14:creationId xmlns:p14="http://schemas.microsoft.com/office/powerpoint/2010/main" val="974417694"/>
-      </p:ext>
-    </p:extLst>
-  </p:cSld>
-  <p:clrMapOvr>
-    <a:masterClrMapping/>
-  </p:clrMapOvr>
-  <p:transition>
-    <p:wipe/>
-  </p:transition>
-</p:sld>
-</file>
-
-<file path=ppt/slides/slide19.xml><?xml version="1.0" encoding="utf-8"?>
-<p:sld xmlns:a="http://schemas.openxmlformats.org/drawingml/2006/main" xmlns:r="http://schemas.openxmlformats.org/officeDocument/2006/relationships" xmlns:p="http://schemas.openxmlformats.org/presentationml/2006/main">
-  <p:cSld>
-    <p:spTree>
-      <p:nvGrpSpPr>
-        <p:cNvPr id="1" name=""/>
-        <p:cNvGrpSpPr/>
-        <p:nvPr/>
-      </p:nvGrpSpPr>
-      <p:grpSpPr>
-        <a:xfrm>
-          <a:off x="0" y="0"/>
-          <a:ext cx="0" cy="0"/>
-          <a:chOff x="0" y="0"/>
-          <a:chExt cx="0" cy="0"/>
-        </a:xfrm>
-      </p:grpSpPr>
-      <p:pic>
-        <p:nvPicPr>
-          <p:cNvPr id="4" name="Picture 3">
-            <a:extLst>
-              <a:ext uri="{FF2B5EF4-FFF2-40B4-BE49-F238E27FC236}">
-                <a16:creationId xmlns:a16="http://schemas.microsoft.com/office/drawing/2014/main" id="{7CC381D0-2A66-4C61-AB10-66B22A1A3132}"/>
-              </a:ext>
-            </a:extLst>
-          </p:cNvPr>
-          <p:cNvPicPr>
-            <a:picLocks noChangeAspect="1"/>
-          </p:cNvPicPr>
-          <p:nvPr/>
-        </p:nvPicPr>
-        <p:blipFill>
-          <a:blip r:embed="rId2"/>
-          <a:stretch>
-            <a:fillRect/>
-          </a:stretch>
-        </p:blipFill>
-        <p:spPr>
-          <a:xfrm>
-            <a:off x="6259133" y="2895600"/>
-            <a:ext cx="5932867" cy="3974634"/>
-          </a:xfrm>
-          <a:prstGeom prst="rect">
-            <a:avLst/>
-          </a:prstGeom>
-        </p:spPr>
-      </p:pic>
-      <p:sp>
-        <p:nvSpPr>
-          <p:cNvPr id="2" name="Text Placeholder 1">
-            <a:extLst>
-              <a:ext uri="{FF2B5EF4-FFF2-40B4-BE49-F238E27FC236}">
-                <a16:creationId xmlns:a16="http://schemas.microsoft.com/office/drawing/2014/main" id="{2E529B49-4116-48C9-A402-937AD7F2F49F}"/>
-              </a:ext>
-            </a:extLst>
-          </p:cNvPr>
-          <p:cNvSpPr>
-            <a:spLocks noGrp="1"/>
-          </p:cNvSpPr>
-          <p:nvPr>
-            <p:ph type="body" idx="1"/>
-          </p:nvPr>
-        </p:nvSpPr>
-        <p:spPr>
-          <a:xfrm>
-            <a:off x="152400" y="1066800"/>
-            <a:ext cx="8839200" cy="5105400"/>
-          </a:xfrm>
-        </p:spPr>
-        <p:txBody>
-          <a:bodyPr/>
-          <a:lstStyle/>
-          <a:p>
-            <a:r>
-              <a:rPr lang="en-US" sz="2400"/>
-              <a:t>Use the New Project/Process Wizard</a:t>
-            </a:r>
-          </a:p>
-          <a:p>
-            <a:pPr lvl="1"/>
-            <a:r>
-              <a:rPr lang="en-US"/>
-              <a:t>Creates a new Project or Process class</a:t>
-            </a:r>
-          </a:p>
-          <a:p>
-            <a:pPr lvl="1"/>
-            <a:r>
-              <a:rPr lang="en-US"/>
-              <a:t>Attaches it to an existing application</a:t>
-            </a:r>
-          </a:p>
-          <a:p>
-            <a:r>
-              <a:rPr lang="en-US" sz="2400"/>
-              <a:t>wwRestProcess Class</a:t>
-            </a:r>
-          </a:p>
-          <a:p>
-            <a:pPr lvl="1"/>
-            <a:r>
-              <a:rPr lang="en-US"/>
-              <a:t>Special wwProcess implementation</a:t>
-            </a:r>
-          </a:p>
-          <a:p>
-            <a:pPr lvl="1"/>
-            <a:r>
-              <a:rPr lang="en-US"/>
-              <a:t>Accepts single JSON parameter</a:t>
-            </a:r>
-          </a:p>
-          <a:p>
-            <a:pPr lvl="1"/>
-            <a:r>
-              <a:rPr lang="en-US"/>
-              <a:t>Input can be complex object</a:t>
-            </a:r>
-          </a:p>
-          <a:p>
-            <a:pPr lvl="1"/>
-            <a:r>
-              <a:rPr lang="en-US"/>
-              <a:t>Produces a JSON value response</a:t>
-            </a:r>
-          </a:p>
-          <a:p>
-            <a:pPr lvl="1"/>
-            <a:r>
-              <a:rPr lang="en-US"/>
-              <a:t>Your code is linear FoxPro code:</a:t>
-            </a:r>
-            <a:br>
-              <a:rPr lang="en-US"/>
-            </a:br>
-            <a:r>
-              <a:rPr lang="en-US"/>
-              <a:t>Accept a parameter return a result value</a:t>
-            </a:r>
-          </a:p>
-          <a:p>
-            <a:pPr lvl="1"/>
-            <a:r>
-              <a:rPr lang="en-US"/>
-              <a:t>Class handles deserialization of input, </a:t>
-            </a:r>
-            <a:br>
-              <a:rPr lang="en-US"/>
-            </a:br>
-            <a:r>
-              <a:rPr lang="en-US"/>
-              <a:t>deserialization of Return</a:t>
-            </a:r>
-          </a:p>
-        </p:txBody>
-      </p:sp>
-      <p:sp>
-        <p:nvSpPr>
-          <p:cNvPr id="3" name="Title 2">
-            <a:extLst>
-              <a:ext uri="{FF2B5EF4-FFF2-40B4-BE49-F238E27FC236}">
-                <a16:creationId xmlns:a16="http://schemas.microsoft.com/office/drawing/2014/main" id="{E554694C-D702-4352-829A-2EFC99DD97AD}"/>
-              </a:ext>
-            </a:extLst>
-          </p:cNvPr>
-          <p:cNvSpPr>
-            <a:spLocks noGrp="1"/>
-          </p:cNvSpPr>
-          <p:nvPr>
-            <p:ph type="title"/>
-          </p:nvPr>
-        </p:nvSpPr>
-        <p:spPr/>
-        <p:txBody>
-          <a:bodyPr/>
-          <a:lstStyle/>
-          <a:p>
-            <a:r>
-              <a:rPr lang="en-US"/>
-              <a:t>Creating REST Services</a:t>
-            </a:r>
-          </a:p>
-        </p:txBody>
-      </p:sp>
-    </p:spTree>
-    <p:extLst>
-      <p:ext uri="{BB962C8B-B14F-4D97-AF65-F5344CB8AC3E}">
-        <p14:creationId xmlns:p14="http://schemas.microsoft.com/office/powerpoint/2010/main" val="1032587597"/>
       </p:ext>
     </p:extLst>
   </p:cSld>
@@ -6376,8 +6626,8 @@
         </p:nvSpPr>
         <p:spPr>
           <a:xfrm>
-            <a:off x="609600" y="2194379"/>
-            <a:ext cx="5386917" cy="3951288"/>
+            <a:off x="609600" y="2057400"/>
+            <a:ext cx="5386917" cy="4088267"/>
           </a:xfrm>
         </p:spPr>
         <p:txBody>
@@ -6484,7 +6734,7 @@
         </p:nvSpPr>
         <p:spPr>
           <a:xfrm>
-            <a:off x="6193368" y="1360714"/>
+            <a:off x="5638800" y="1389176"/>
             <a:ext cx="5389033" cy="639762"/>
           </a:xfrm>
         </p:spPr>
@@ -6521,8 +6771,8 @@
         </p:nvSpPr>
         <p:spPr>
           <a:xfrm>
-            <a:off x="6193368" y="2194379"/>
-            <a:ext cx="5389033" cy="3951288"/>
+            <a:off x="5638800" y="2057400"/>
+            <a:ext cx="5389033" cy="4088267"/>
           </a:xfrm>
         </p:spPr>
         <p:txBody>
@@ -6625,6 +6875,206 @@
 </file>
 
 <file path=ppt/slides/slide20.xml><?xml version="1.0" encoding="utf-8"?>
+<p:sld xmlns:a="http://schemas.openxmlformats.org/drawingml/2006/main" xmlns:r="http://schemas.openxmlformats.org/officeDocument/2006/relationships" xmlns:p="http://schemas.openxmlformats.org/presentationml/2006/main">
+  <p:cSld>
+    <p:spTree>
+      <p:nvGrpSpPr>
+        <p:cNvPr id="1" name=""/>
+        <p:cNvGrpSpPr/>
+        <p:nvPr/>
+      </p:nvGrpSpPr>
+      <p:grpSpPr>
+        <a:xfrm>
+          <a:off x="0" y="0"/>
+          <a:ext cx="0" cy="0"/>
+          <a:chOff x="0" y="0"/>
+          <a:chExt cx="0" cy="0"/>
+        </a:xfrm>
+      </p:grpSpPr>
+      <p:sp>
+        <p:nvSpPr>
+          <p:cNvPr id="2" name="Text Placeholder 1">
+            <a:extLst>
+              <a:ext uri="{FF2B5EF4-FFF2-40B4-BE49-F238E27FC236}">
+                <a16:creationId xmlns:a16="http://schemas.microsoft.com/office/drawing/2014/main" id="{2E529B49-4116-48C9-A402-937AD7F2F49F}"/>
+              </a:ext>
+            </a:extLst>
+          </p:cNvPr>
+          <p:cNvSpPr>
+            <a:spLocks noGrp="1"/>
+          </p:cNvSpPr>
+          <p:nvPr>
+            <p:ph type="body" idx="1"/>
+          </p:nvPr>
+        </p:nvSpPr>
+        <p:spPr>
+          <a:xfrm>
+            <a:off x="152400" y="1066800"/>
+            <a:ext cx="8839200" cy="5105400"/>
+          </a:xfrm>
+        </p:spPr>
+        <p:txBody>
+          <a:bodyPr/>
+          <a:lstStyle/>
+          <a:p>
+            <a:r>
+              <a:rPr lang="en-US" sz="2400"/>
+              <a:t>Use the New Project/Process Wizard</a:t>
+            </a:r>
+          </a:p>
+          <a:p>
+            <a:pPr lvl="1"/>
+            <a:r>
+              <a:rPr lang="en-US"/>
+              <a:t>Creates a new Project or Process class</a:t>
+            </a:r>
+          </a:p>
+          <a:p>
+            <a:pPr lvl="1"/>
+            <a:r>
+              <a:rPr lang="en-US"/>
+              <a:t>Attaches it to an existing application</a:t>
+            </a:r>
+          </a:p>
+          <a:p>
+            <a:r>
+              <a:rPr lang="en-US" sz="2400"/>
+              <a:t>wwRestProcess Class</a:t>
+            </a:r>
+          </a:p>
+          <a:p>
+            <a:pPr lvl="1"/>
+            <a:r>
+              <a:rPr lang="en-US"/>
+              <a:t>Special wwProcess implementation</a:t>
+            </a:r>
+          </a:p>
+          <a:p>
+            <a:pPr lvl="1"/>
+            <a:r>
+              <a:rPr lang="en-US"/>
+              <a:t>Accepts single JSON parameter</a:t>
+            </a:r>
+          </a:p>
+          <a:p>
+            <a:pPr lvl="1"/>
+            <a:r>
+              <a:rPr lang="en-US"/>
+              <a:t>Input can be complex object</a:t>
+            </a:r>
+          </a:p>
+          <a:p>
+            <a:pPr lvl="1"/>
+            <a:r>
+              <a:rPr lang="en-US"/>
+              <a:t>Produces a JSON value response</a:t>
+            </a:r>
+          </a:p>
+          <a:p>
+            <a:pPr lvl="1"/>
+            <a:r>
+              <a:rPr lang="en-US"/>
+              <a:t>Your code is linear FoxPro code:</a:t>
+            </a:r>
+            <a:br>
+              <a:rPr lang="en-US"/>
+            </a:br>
+            <a:r>
+              <a:rPr lang="en-US"/>
+              <a:t>Accept a parameter return a result value</a:t>
+            </a:r>
+          </a:p>
+          <a:p>
+            <a:pPr lvl="1"/>
+            <a:r>
+              <a:rPr lang="en-US"/>
+              <a:t>Class handles deserialization of input, </a:t>
+            </a:r>
+            <a:br>
+              <a:rPr lang="en-US"/>
+            </a:br>
+            <a:r>
+              <a:rPr lang="en-US"/>
+              <a:t>deserialization of Return</a:t>
+            </a:r>
+          </a:p>
+        </p:txBody>
+      </p:sp>
+      <p:sp>
+        <p:nvSpPr>
+          <p:cNvPr id="3" name="Title 2">
+            <a:extLst>
+              <a:ext uri="{FF2B5EF4-FFF2-40B4-BE49-F238E27FC236}">
+                <a16:creationId xmlns:a16="http://schemas.microsoft.com/office/drawing/2014/main" id="{E554694C-D702-4352-829A-2EFC99DD97AD}"/>
+              </a:ext>
+            </a:extLst>
+          </p:cNvPr>
+          <p:cNvSpPr>
+            <a:spLocks noGrp="1"/>
+          </p:cNvSpPr>
+          <p:nvPr>
+            <p:ph type="title"/>
+          </p:nvPr>
+        </p:nvSpPr>
+        <p:spPr/>
+        <p:txBody>
+          <a:bodyPr/>
+          <a:lstStyle/>
+          <a:p>
+            <a:r>
+              <a:rPr lang="en-US"/>
+              <a:t>Creating REST Services</a:t>
+            </a:r>
+          </a:p>
+        </p:txBody>
+      </p:sp>
+      <p:pic>
+        <p:nvPicPr>
+          <p:cNvPr id="5" name="Picture 4">
+            <a:extLst>
+              <a:ext uri="{FF2B5EF4-FFF2-40B4-BE49-F238E27FC236}">
+                <a16:creationId xmlns:a16="http://schemas.microsoft.com/office/drawing/2014/main" id="{0F9E1F0D-94B2-451F-A549-68CD38A94724}"/>
+              </a:ext>
+            </a:extLst>
+          </p:cNvPr>
+          <p:cNvPicPr>
+            <a:picLocks noChangeAspect="1"/>
+          </p:cNvPicPr>
+          <p:nvPr/>
+        </p:nvPicPr>
+        <p:blipFill>
+          <a:blip r:embed="rId2"/>
+          <a:stretch>
+            <a:fillRect/>
+          </a:stretch>
+        </p:blipFill>
+        <p:spPr>
+          <a:xfrm>
+            <a:off x="6363429" y="2962569"/>
+            <a:ext cx="5828571" cy="3904762"/>
+          </a:xfrm>
+          <a:prstGeom prst="rect">
+            <a:avLst/>
+          </a:prstGeom>
+        </p:spPr>
+      </p:pic>
+    </p:spTree>
+    <p:extLst>
+      <p:ext uri="{BB962C8B-B14F-4D97-AF65-F5344CB8AC3E}">
+        <p14:creationId xmlns:p14="http://schemas.microsoft.com/office/powerpoint/2010/main" val="1032587597"/>
+      </p:ext>
+    </p:extLst>
+  </p:cSld>
+  <p:clrMapOvr>
+    <a:masterClrMapping/>
+  </p:clrMapOvr>
+  <p:transition>
+    <p:wipe/>
+  </p:transition>
+</p:sld>
+</file>
+
+<file path=ppt/slides/slide21.xml><?xml version="1.0" encoding="utf-8"?>
 <p:sld xmlns:a="http://schemas.openxmlformats.org/drawingml/2006/main" xmlns:r="http://schemas.openxmlformats.org/officeDocument/2006/relationships" xmlns:p="http://schemas.openxmlformats.org/presentationml/2006/main">
   <p:cSld>
     <p:spTree>
@@ -6934,7 +7384,7 @@
 </p:sld>
 </file>
 
-<file path=ppt/slides/slide21.xml><?xml version="1.0" encoding="utf-8"?>
+<file path=ppt/slides/slide22.xml><?xml version="1.0" encoding="utf-8"?>
 <p:sld xmlns:a="http://schemas.openxmlformats.org/drawingml/2006/main" xmlns:r="http://schemas.openxmlformats.org/officeDocument/2006/relationships" xmlns:p="http://schemas.openxmlformats.org/presentationml/2006/main" show="0">
   <p:cSld>
     <p:spTree>
@@ -7141,7 +7591,7 @@
 </p:sld>
 </file>
 
-<file path=ppt/slides/slide22.xml><?xml version="1.0" encoding="utf-8"?>
+<file path=ppt/slides/slide23.xml><?xml version="1.0" encoding="utf-8"?>
 <p:sld xmlns:a="http://schemas.openxmlformats.org/drawingml/2006/main" xmlns:r="http://schemas.openxmlformats.org/officeDocument/2006/relationships" xmlns:p="http://schemas.openxmlformats.org/presentationml/2006/main">
   <p:cSld>
     <p:spTree>
@@ -7330,7 +7780,7 @@
 </p:sld>
 </file>
 
-<file path=ppt/slides/slide23.xml><?xml version="1.0" encoding="utf-8"?>
+<file path=ppt/slides/slide24.xml><?xml version="1.0" encoding="utf-8"?>
 <p:sld xmlns:a="http://schemas.openxmlformats.org/drawingml/2006/main" xmlns:r="http://schemas.openxmlformats.org/officeDocument/2006/relationships" xmlns:p="http://schemas.openxmlformats.org/presentationml/2006/main">
   <p:cSld>
     <p:spTree>
@@ -7512,7 +7962,7 @@
 </p:sld>
 </file>
 
-<file path=ppt/slides/slide24.xml><?xml version="1.0" encoding="utf-8"?>
+<file path=ppt/slides/slide25.xml><?xml version="1.0" encoding="utf-8"?>
 <p:sld xmlns:a="http://schemas.openxmlformats.org/drawingml/2006/main" xmlns:r="http://schemas.openxmlformats.org/officeDocument/2006/relationships" xmlns:p="http://schemas.openxmlformats.org/presentationml/2006/main">
   <p:cSld>
     <p:spTree>
@@ -8045,7 +8495,7 @@
 </file>
 
 <file path=ppt/slides/slide5.xml><?xml version="1.0" encoding="utf-8"?>
-<p:sld xmlns:a="http://schemas.openxmlformats.org/drawingml/2006/main" xmlns:r="http://schemas.openxmlformats.org/officeDocument/2006/relationships" xmlns:p="http://schemas.openxmlformats.org/presentationml/2006/main">
+<p:sld xmlns:a="http://schemas.openxmlformats.org/drawingml/2006/main" xmlns:r="http://schemas.openxmlformats.org/officeDocument/2006/relationships" xmlns:p="http://schemas.openxmlformats.org/presentationml/2006/main" show="0">
   <p:cSld>
     <p:spTree>
       <p:nvGrpSpPr>
@@ -8125,13 +8575,6 @@
             <a:r>
               <a:rPr lang="en-US" sz="1600"/>
               <a:t>Pick what works for you</a:t>
-            </a:r>
-          </a:p>
-          <a:p>
-            <a:pPr lvl="1"/>
-            <a:r>
-              <a:rPr lang="en-US" sz="1600"/>
-              <a:t>But you have to experiment to find what does</a:t>
             </a:r>
           </a:p>
           <a:p>
@@ -8533,6 +8976,36 @@
           </a:p>
         </p:txBody>
       </p:sp>
+      <p:pic>
+        <p:nvPicPr>
+          <p:cNvPr id="6" name="Picture 5">
+            <a:extLst>
+              <a:ext uri="{FF2B5EF4-FFF2-40B4-BE49-F238E27FC236}">
+                <a16:creationId xmlns:a16="http://schemas.microsoft.com/office/drawing/2014/main" id="{84A9C4F7-705A-4714-A569-C9B4E6351793}"/>
+              </a:ext>
+            </a:extLst>
+          </p:cNvPr>
+          <p:cNvPicPr>
+            <a:picLocks noChangeAspect="1"/>
+          </p:cNvPicPr>
+          <p:nvPr/>
+        </p:nvPicPr>
+        <p:blipFill>
+          <a:blip r:embed="rId2"/>
+          <a:stretch>
+            <a:fillRect/>
+          </a:stretch>
+        </p:blipFill>
+        <p:spPr>
+          <a:xfrm>
+            <a:off x="193675" y="5943600"/>
+            <a:ext cx="914400" cy="914400"/>
+          </a:xfrm>
+          <a:prstGeom prst="rect">
+            <a:avLst/>
+          </a:prstGeom>
+        </p:spPr>
+      </p:pic>
     </p:spTree>
     <p:extLst>
       <p:ext uri="{BB962C8B-B14F-4D97-AF65-F5344CB8AC3E}">
@@ -8612,6 +9085,36 @@
           <a:xfrm>
             <a:off x="304800" y="734191"/>
             <a:ext cx="8771428" cy="6123809"/>
+          </a:xfrm>
+          <a:prstGeom prst="rect">
+            <a:avLst/>
+          </a:prstGeom>
+        </p:spPr>
+      </p:pic>
+      <p:pic>
+        <p:nvPicPr>
+          <p:cNvPr id="4" name="Picture 3">
+            <a:extLst>
+              <a:ext uri="{FF2B5EF4-FFF2-40B4-BE49-F238E27FC236}">
+                <a16:creationId xmlns:a16="http://schemas.microsoft.com/office/drawing/2014/main" id="{43A57C47-04C8-4738-9232-E595004AF797}"/>
+              </a:ext>
+            </a:extLst>
+          </p:cNvPr>
+          <p:cNvPicPr>
+            <a:picLocks noChangeAspect="1"/>
+          </p:cNvPicPr>
+          <p:nvPr/>
+        </p:nvPicPr>
+        <p:blipFill>
+          <a:blip r:embed="rId3"/>
+          <a:stretch>
+            <a:fillRect/>
+          </a:stretch>
+        </p:blipFill>
+        <p:spPr>
+          <a:xfrm>
+            <a:off x="10820400" y="5791200"/>
+            <a:ext cx="914400" cy="914400"/>
           </a:xfrm>
           <a:prstGeom prst="rect">
             <a:avLst/>

--- a/Documents/Strahl_VueEnhanceWebApplications.pptx
+++ b/Documents/Strahl_VueEnhanceWebApplications.pptx
@@ -8880,97 +8880,117 @@
           <a:lstStyle/>
           <a:p>
             <a:r>
-              <a:rPr lang="en-US"/>
+              <a:rPr lang="en-US" sz="1800"/>
               <a:t>Out of favor, because…</a:t>
             </a:r>
           </a:p>
           <a:p>
             <a:pPr lvl="1"/>
             <a:r>
-              <a:rPr lang="en-US"/>
+              <a:rPr lang="en-US" sz="1600"/>
               <a:t>DOM features provide a lot of similar functionality now</a:t>
             </a:r>
           </a:p>
           <a:p>
             <a:pPr lvl="1"/>
             <a:r>
-              <a:rPr lang="en-US"/>
+              <a:rPr lang="en-US" sz="1600"/>
               <a:t>Frameworks like Angular/React use declarative models</a:t>
             </a:r>
           </a:p>
           <a:p>
             <a:pPr lvl="1"/>
             <a:r>
-              <a:rPr lang="en-US"/>
+              <a:rPr lang="en-US" sz="1600"/>
               <a:t>Declarative models require very little direct DOM interaction</a:t>
             </a:r>
           </a:p>
           <a:p>
             <a:r>
-              <a:rPr lang="en-US"/>
+              <a:rPr lang="en-US" sz="1800"/>
               <a:t>Still useful, because…</a:t>
             </a:r>
           </a:p>
           <a:p>
             <a:pPr lvl="1"/>
             <a:r>
-              <a:rPr lang="en-US"/>
+              <a:rPr lang="en-US" sz="1600"/>
               <a:t>Still </a:t>
             </a:r>
             <a:r>
-              <a:rPr lang="en-US" b="1"/>
+              <a:rPr lang="en-US" sz="1600" b="1"/>
               <a:t>way easier </a:t>
             </a:r>
             <a:r>
-              <a:rPr lang="en-US"/>
+              <a:rPr lang="en-US" sz="1600"/>
               <a:t>for DOM manipulation than raw DOM</a:t>
             </a:r>
           </a:p>
           <a:p>
             <a:pPr lvl="1"/>
             <a:r>
-              <a:rPr lang="en-US"/>
+              <a:rPr lang="en-US" sz="1600"/>
               <a:t>Many small utility features</a:t>
             </a:r>
           </a:p>
           <a:p>
             <a:pPr lvl="1"/>
             <a:r>
-              <a:rPr lang="en-US"/>
+              <a:rPr lang="en-US" sz="1600"/>
               <a:t>Ajax/HTTP functionality baked in including basic parsing</a:t>
             </a:r>
           </a:p>
           <a:p>
             <a:pPr lvl="1"/>
             <a:r>
-              <a:rPr lang="en-US"/>
+              <a:rPr lang="en-US" sz="1600"/>
               <a:t>Very small for what it provides (~30k packed and gzipped)</a:t>
             </a:r>
           </a:p>
           <a:p>
             <a:r>
-              <a:rPr lang="en-US"/>
+              <a:rPr lang="en-US" sz="1800"/>
+              <a:t>Imperative UI Updates</a:t>
+            </a:r>
+          </a:p>
+          <a:p>
+            <a:pPr lvl="1"/>
+            <a:r>
+              <a:rPr lang="en-US" sz="1600"/>
+              <a:t>You explicitly interact with the DOM</a:t>
+            </a:r>
+          </a:p>
+          <a:p>
+            <a:pPr lvl="1"/>
+            <a:r>
+              <a:rPr lang="en-US" sz="1600"/>
+              <a:t>Write values into DOM nodes, read values from DOM nodes</a:t>
+            </a:r>
+          </a:p>
+          <a:p>
+            <a:r>
+              <a:rPr lang="en-US" sz="1800"/>
               <a:t>Use Cases</a:t>
             </a:r>
           </a:p>
           <a:p>
             <a:pPr lvl="1"/>
             <a:r>
-              <a:rPr lang="en-US"/>
+              <a:rPr lang="en-US" sz="1600"/>
               <a:t>For any small UI interactions </a:t>
             </a:r>
           </a:p>
           <a:p>
             <a:pPr lvl="1"/>
             <a:r>
-              <a:rPr lang="en-US"/>
+              <a:rPr lang="en-US" sz="1600"/>
               <a:t>Small data models, minimal DOM updates</a:t>
             </a:r>
           </a:p>
           <a:p>
             <a:pPr lvl="1"/>
             <a:r>
-              <a:rPr lang="en-US"/>
+              <a:rPr lang="en-US" sz="1600"/>
               <a:t>UI controls – a lot of UI controls you find rely on jQuery (Bootstrap does)</a:t>
             </a:r>
           </a:p>
